--- a/slides/dijkstraAndPrim.pptx
+++ b/slides/dijkstraAndPrim.pptx
@@ -5123,15 +5123,7 @@
           <a:p>
             <a:r>
               <a:rPr lang="en-US" dirty="0"/>
-              <a:t>Graphs – </a:t>
-            </a:r>
-            <a:r>
-              <a:rPr lang="en-US" dirty="0" err="1"/>
-              <a:t>Dijstra’s</a:t>
-            </a:r>
-            <a:r>
-              <a:rPr lang="en-US" dirty="0"/>
-              <a:t>, Prim’s, Indirect Heaps</a:t>
+              <a:t>Graphs – Dijkstra’s, Prim’s, Indirect Heaps</a:t>
             </a:r>
           </a:p>
         </p:txBody>
@@ -5151,7 +5143,23 @@
           <a:bodyPr/>
           <a:lstStyle/>
           <a:p>
+            <a:r>
+              <a:rPr lang="en-US" dirty="0"/>
+              <a:t>CS4102, Spring 2021</a:t>
+            </a:r>
+          </a:p>
+          <a:p>
             <a:endParaRPr lang="en-US" dirty="0"/>
+          </a:p>
+          <a:p>
+            <a:r>
+              <a:rPr lang="en-US"/>
+              <a:t>Readings</a:t>
+            </a:r>
+            <a:r>
+              <a:rPr lang="en-US" dirty="0"/>
+              <a:t>: CLRS 23.2, 24.2, 24.3</a:t>
+            </a:r>
           </a:p>
         </p:txBody>
       </p:sp>

--- a/slides/dijkstraAndPrim.pptx
+++ b/slides/dijkstraAndPrim.pptx
@@ -5123,15 +5123,7 @@
           <a:p>
             <a:r>
               <a:rPr lang="en-US" dirty="0"/>
-              <a:t>Graphs – </a:t>
-            </a:r>
-            <a:r>
-              <a:rPr lang="en-US" dirty="0" err="1"/>
-              <a:t>Dijstra’s</a:t>
-            </a:r>
-            <a:r>
-              <a:rPr lang="en-US" dirty="0"/>
-              <a:t>, Prim’s, Indirect Heaps</a:t>
+              <a:t>Graphs – Dijkstra’s, Prim’s, Indirect Heaps</a:t>
             </a:r>
           </a:p>
         </p:txBody>
@@ -16597,10 +16589,15 @@
             <p:custDataLst>
               <p:tags r:id="rId2"/>
             </p:custDataLst>
+            <p:extLst>
+              <p:ext uri="{D42A27DB-BD31-4B8C-83A1-F6EECF244321}">
+                <p14:modId xmlns:p14="http://schemas.microsoft.com/office/powerpoint/2010/main" val="4089468021"/>
+              </p:ext>
+            </p:extLst>
           </p:nvPr>
         </p:nvGraphicFramePr>
         <p:xfrm>
-          <a:off x="152400" y="2565400"/>
+          <a:off x="152400" y="2619374"/>
           <a:ext cx="3886200" cy="3705226"/>
         </p:xfrm>
         <a:graphic>

--- a/slides/dijkstraAndPrim.pptx
+++ b/slides/dijkstraAndPrim.pptx
@@ -5,10 +5,10 @@
     <p:sldMasterId id="2147483714" r:id="rId1"/>
   </p:sldMasterIdLst>
   <p:notesMasterIdLst>
-    <p:notesMasterId r:id="rId30"/>
+    <p:notesMasterId r:id="rId35"/>
   </p:notesMasterIdLst>
   <p:handoutMasterIdLst>
-    <p:handoutMasterId r:id="rId31"/>
+    <p:handoutMasterId r:id="rId36"/>
   </p:handoutMasterIdLst>
   <p:sldIdLst>
     <p:sldId id="377" r:id="rId2"/>
@@ -39,11 +39,16 @@
     <p:sldId id="444" r:id="rId27"/>
     <p:sldId id="458" r:id="rId28"/>
     <p:sldId id="410" r:id="rId29"/>
+    <p:sldId id="529" r:id="rId30"/>
+    <p:sldId id="525" r:id="rId31"/>
+    <p:sldId id="526" r:id="rId32"/>
+    <p:sldId id="527" r:id="rId33"/>
+    <p:sldId id="528" r:id="rId34"/>
   </p:sldIdLst>
   <p:sldSz cx="9144000" cy="6858000" type="screen4x3"/>
   <p:notesSz cx="7315200" cy="9601200"/>
   <p:custDataLst>
-    <p:tags r:id="rId32"/>
+    <p:tags r:id="rId37"/>
   </p:custDataLst>
   <p:defaultTextStyle>
     <a:defPPr>
@@ -14491,6 +14496,101 @@
 </p:sld>
 </file>
 
+<file path=ppt/slides/slide29.xml><?xml version="1.0" encoding="utf-8"?>
+<p:sld xmlns:a="http://schemas.openxmlformats.org/drawingml/2006/main" xmlns:r="http://schemas.openxmlformats.org/officeDocument/2006/relationships" xmlns:p="http://schemas.openxmlformats.org/presentationml/2006/main">
+  <p:cSld>
+    <p:spTree>
+      <p:nvGrpSpPr>
+        <p:cNvPr id="1" name=""/>
+        <p:cNvGrpSpPr/>
+        <p:nvPr/>
+      </p:nvGrpSpPr>
+      <p:grpSpPr>
+        <a:xfrm>
+          <a:off x="0" y="0"/>
+          <a:ext cx="0" cy="0"/>
+          <a:chOff x="0" y="0"/>
+          <a:chExt cx="0" cy="0"/>
+        </a:xfrm>
+      </p:grpSpPr>
+      <p:sp>
+        <p:nvSpPr>
+          <p:cNvPr id="5" name="Title 4"/>
+          <p:cNvSpPr>
+            <a:spLocks noGrp="1"/>
+          </p:cNvSpPr>
+          <p:nvPr>
+            <p:ph type="title"/>
+          </p:nvPr>
+        </p:nvSpPr>
+        <p:spPr/>
+        <p:txBody>
+          <a:bodyPr/>
+          <a:lstStyle/>
+          <a:p>
+            <a:r>
+              <a:rPr lang="en-US" dirty="0"/>
+              <a:t>Some Extra Things</a:t>
+            </a:r>
+          </a:p>
+        </p:txBody>
+      </p:sp>
+      <p:sp>
+        <p:nvSpPr>
+          <p:cNvPr id="6" name="Text Placeholder 5"/>
+          <p:cNvSpPr>
+            <a:spLocks noGrp="1"/>
+          </p:cNvSpPr>
+          <p:nvPr>
+            <p:ph type="body" idx="1"/>
+          </p:nvPr>
+        </p:nvSpPr>
+        <p:spPr/>
+        <p:txBody>
+          <a:bodyPr/>
+          <a:lstStyle/>
+          <a:p>
+            <a:endParaRPr lang="en-US"/>
+          </a:p>
+        </p:txBody>
+      </p:sp>
+      <p:sp>
+        <p:nvSpPr>
+          <p:cNvPr id="4" name="Slide Number Placeholder 3"/>
+          <p:cNvSpPr>
+            <a:spLocks noGrp="1"/>
+          </p:cNvSpPr>
+          <p:nvPr>
+            <p:ph type="sldNum" sz="quarter" idx="12"/>
+          </p:nvPr>
+        </p:nvSpPr>
+        <p:spPr/>
+        <p:txBody>
+          <a:bodyPr/>
+          <a:lstStyle/>
+          <a:p>
+            <a:fld id="{030EE116-056E-4288-B7F7-411CB7E437A9}" type="slidenum">
+              <a:rPr lang="en-US" smtClean="0"/>
+              <a:pPr/>
+              <a:t>29</a:t>
+            </a:fld>
+            <a:endParaRPr lang="en-US"/>
+          </a:p>
+        </p:txBody>
+      </p:sp>
+    </p:spTree>
+    <p:extLst>
+      <p:ext uri="{BB962C8B-B14F-4D97-AF65-F5344CB8AC3E}">
+        <p14:creationId xmlns:p14="http://schemas.microsoft.com/office/powerpoint/2010/main" val="2556928720"/>
+      </p:ext>
+    </p:extLst>
+  </p:cSld>
+  <p:clrMapOvr>
+    <a:masterClrMapping/>
+  </p:clrMapOvr>
+</p:sld>
+</file>
+
 <file path=ppt/slides/slide3.xml><?xml version="1.0" encoding="utf-8"?>
 <p:sld xmlns:a="http://schemas.openxmlformats.org/drawingml/2006/main" xmlns:r="http://schemas.openxmlformats.org/officeDocument/2006/relationships" xmlns:p="http://schemas.openxmlformats.org/presentationml/2006/main">
   <p:cSld>
@@ -14577,6 +14677,517 @@
     <p:extLst>
       <p:ext uri="{BB962C8B-B14F-4D97-AF65-F5344CB8AC3E}">
         <p14:creationId xmlns:p14="http://schemas.microsoft.com/office/powerpoint/2010/main" val="871031785"/>
+      </p:ext>
+    </p:extLst>
+  </p:cSld>
+  <p:clrMapOvr>
+    <a:masterClrMapping/>
+  </p:clrMapOvr>
+</p:sld>
+</file>
+
+<file path=ppt/slides/slide30.xml><?xml version="1.0" encoding="utf-8"?>
+<p:sld xmlns:a="http://schemas.openxmlformats.org/drawingml/2006/main" xmlns:r="http://schemas.openxmlformats.org/officeDocument/2006/relationships" xmlns:p="http://schemas.openxmlformats.org/presentationml/2006/main">
+  <p:cSld>
+    <p:spTree>
+      <p:nvGrpSpPr>
+        <p:cNvPr id="1" name=""/>
+        <p:cNvGrpSpPr/>
+        <p:nvPr/>
+      </p:nvGrpSpPr>
+      <p:grpSpPr>
+        <a:xfrm>
+          <a:off x="0" y="0"/>
+          <a:ext cx="0" cy="0"/>
+          <a:chOff x="0" y="0"/>
+          <a:chExt cx="0" cy="0"/>
+        </a:xfrm>
+      </p:grpSpPr>
+      <p:sp>
+        <p:nvSpPr>
+          <p:cNvPr id="35842" name="Title 1"/>
+          <p:cNvSpPr>
+            <a:spLocks noGrp="1"/>
+          </p:cNvSpPr>
+          <p:nvPr>
+            <p:ph type="title"/>
+          </p:nvPr>
+        </p:nvSpPr>
+        <p:spPr/>
+        <p:txBody>
+          <a:bodyPr/>
+          <a:lstStyle/>
+          <a:p>
+            <a:r>
+              <a:rPr lang="en-US" dirty="0"/>
+              <a:t>Daily Problem</a:t>
+            </a:r>
+          </a:p>
+        </p:txBody>
+      </p:sp>
+      <p:sp>
+        <p:nvSpPr>
+          <p:cNvPr id="4" name="Slide Number Placeholder 3"/>
+          <p:cNvSpPr>
+            <a:spLocks noGrp="1"/>
+          </p:cNvSpPr>
+          <p:nvPr>
+            <p:ph type="sldNum" sz="quarter" idx="12"/>
+          </p:nvPr>
+        </p:nvSpPr>
+        <p:spPr/>
+        <p:txBody>
+          <a:bodyPr/>
+          <a:lstStyle/>
+          <a:p>
+            <a:fld id="{DACC1BBE-66B1-403A-8C7E-C57A0F3A107F}" type="slidenum">
+              <a:rPr lang="en-US" smtClean="0"/>
+              <a:pPr/>
+              <a:t>30</a:t>
+            </a:fld>
+            <a:endParaRPr lang="en-US"/>
+          </a:p>
+        </p:txBody>
+      </p:sp>
+      <p:sp>
+        <p:nvSpPr>
+          <p:cNvPr id="35843" name="Content Placeholder 2"/>
+          <p:cNvSpPr>
+            <a:spLocks noGrp="1"/>
+          </p:cNvSpPr>
+          <p:nvPr>
+            <p:ph sz="quarter" idx="1"/>
+          </p:nvPr>
+        </p:nvSpPr>
+        <p:spPr/>
+        <p:txBody>
+          <a:bodyPr>
+            <a:normAutofit/>
+          </a:bodyPr>
+          <a:lstStyle/>
+          <a:p>
+            <a:r>
+              <a:rPr lang="en-US" dirty="0"/>
+              <a:t>Suppose </a:t>
+            </a:r>
+            <a:r>
+              <a:rPr lang="en-US" dirty="0" err="1"/>
+              <a:t>Floryan</a:t>
+            </a:r>
+            <a:r>
+              <a:rPr lang="en-US" dirty="0"/>
+              <a:t> is traveling by flying from city S to city D. </a:t>
+            </a:r>
+            <a:r>
+              <a:rPr lang="en-US" dirty="0" err="1"/>
+              <a:t>Floryan</a:t>
+            </a:r>
+            <a:r>
+              <a:rPr lang="en-US" dirty="0"/>
+              <a:t> doesn’t mind sitting on planes, but he REALLY dislikes layovers in airports (I mean, you are just SITTING there not making any progress).</a:t>
+            </a:r>
+          </a:p>
+          <a:p>
+            <a:endParaRPr lang="en-US" dirty="0"/>
+          </a:p>
+          <a:p>
+            <a:r>
+              <a:rPr lang="en-US" dirty="0"/>
+              <a:t>Given </a:t>
+            </a:r>
+            <a:r>
+              <a:rPr lang="en-US" dirty="0" err="1"/>
+              <a:t>Floryan’s</a:t>
+            </a:r>
+            <a:r>
+              <a:rPr lang="en-US" dirty="0"/>
+              <a:t> start city S, destination city D, and a long list of flights (each flight is start city, end city, departure date/time, arrival date/time), can you find the optimal itinerary that minimizes </a:t>
+            </a:r>
+            <a:r>
+              <a:rPr lang="en-US" dirty="0" err="1"/>
+              <a:t>Floryan’s</a:t>
+            </a:r>
+            <a:r>
+              <a:rPr lang="en-US" dirty="0"/>
+              <a:t> layover time?</a:t>
+            </a:r>
+          </a:p>
+          <a:p>
+            <a:endParaRPr lang="en-US" dirty="0"/>
+          </a:p>
+        </p:txBody>
+      </p:sp>
+    </p:spTree>
+    <p:extLst>
+      <p:ext uri="{BB962C8B-B14F-4D97-AF65-F5344CB8AC3E}">
+        <p14:creationId xmlns:p14="http://schemas.microsoft.com/office/powerpoint/2010/main" val="3196957866"/>
+      </p:ext>
+    </p:extLst>
+  </p:cSld>
+  <p:clrMapOvr>
+    <a:masterClrMapping/>
+  </p:clrMapOvr>
+</p:sld>
+</file>
+
+<file path=ppt/slides/slide31.xml><?xml version="1.0" encoding="utf-8"?>
+<p:sld xmlns:a="http://schemas.openxmlformats.org/drawingml/2006/main" xmlns:r="http://schemas.openxmlformats.org/officeDocument/2006/relationships" xmlns:p="http://schemas.openxmlformats.org/presentationml/2006/main">
+  <p:cSld>
+    <p:spTree>
+      <p:nvGrpSpPr>
+        <p:cNvPr id="1" name=""/>
+        <p:cNvGrpSpPr/>
+        <p:nvPr/>
+      </p:nvGrpSpPr>
+      <p:grpSpPr>
+        <a:xfrm>
+          <a:off x="0" y="0"/>
+          <a:ext cx="0" cy="0"/>
+          <a:chOff x="0" y="0"/>
+          <a:chExt cx="0" cy="0"/>
+        </a:xfrm>
+      </p:grpSpPr>
+      <p:sp>
+        <p:nvSpPr>
+          <p:cNvPr id="35842" name="Title 1"/>
+          <p:cNvSpPr>
+            <a:spLocks noGrp="1"/>
+          </p:cNvSpPr>
+          <p:nvPr>
+            <p:ph type="title"/>
+          </p:nvPr>
+        </p:nvSpPr>
+        <p:spPr/>
+        <p:txBody>
+          <a:bodyPr/>
+          <a:lstStyle/>
+          <a:p>
+            <a:r>
+              <a:rPr lang="en-US" dirty="0"/>
+              <a:t>Solution:</a:t>
+            </a:r>
+          </a:p>
+        </p:txBody>
+      </p:sp>
+      <p:sp>
+        <p:nvSpPr>
+          <p:cNvPr id="4" name="Slide Number Placeholder 3"/>
+          <p:cNvSpPr>
+            <a:spLocks noGrp="1"/>
+          </p:cNvSpPr>
+          <p:nvPr>
+            <p:ph type="sldNum" sz="quarter" idx="12"/>
+          </p:nvPr>
+        </p:nvSpPr>
+        <p:spPr/>
+        <p:txBody>
+          <a:bodyPr/>
+          <a:lstStyle/>
+          <a:p>
+            <a:fld id="{DACC1BBE-66B1-403A-8C7E-C57A0F3A107F}" type="slidenum">
+              <a:rPr lang="en-US" smtClean="0"/>
+              <a:pPr/>
+              <a:t>31</a:t>
+            </a:fld>
+            <a:endParaRPr lang="en-US"/>
+          </a:p>
+        </p:txBody>
+      </p:sp>
+      <p:sp>
+        <p:nvSpPr>
+          <p:cNvPr id="35843" name="Content Placeholder 2"/>
+          <p:cNvSpPr>
+            <a:spLocks noGrp="1"/>
+          </p:cNvSpPr>
+          <p:nvPr>
+            <p:ph sz="quarter" idx="1"/>
+          </p:nvPr>
+        </p:nvSpPr>
+        <p:spPr/>
+        <p:txBody>
+          <a:bodyPr>
+            <a:normAutofit/>
+          </a:bodyPr>
+          <a:lstStyle/>
+          <a:p>
+            <a:endParaRPr lang="en-US" dirty="0"/>
+          </a:p>
+        </p:txBody>
+      </p:sp>
+    </p:spTree>
+    <p:extLst>
+      <p:ext uri="{BB962C8B-B14F-4D97-AF65-F5344CB8AC3E}">
+        <p14:creationId xmlns:p14="http://schemas.microsoft.com/office/powerpoint/2010/main" val="306647428"/>
+      </p:ext>
+    </p:extLst>
+  </p:cSld>
+  <p:clrMapOvr>
+    <a:masterClrMapping/>
+  </p:clrMapOvr>
+</p:sld>
+</file>
+
+<file path=ppt/slides/slide32.xml><?xml version="1.0" encoding="utf-8"?>
+<p:sld xmlns:a="http://schemas.openxmlformats.org/drawingml/2006/main" xmlns:r="http://schemas.openxmlformats.org/officeDocument/2006/relationships" xmlns:p="http://schemas.openxmlformats.org/presentationml/2006/main">
+  <p:cSld>
+    <p:spTree>
+      <p:nvGrpSpPr>
+        <p:cNvPr id="1" name=""/>
+        <p:cNvGrpSpPr/>
+        <p:nvPr/>
+      </p:nvGrpSpPr>
+      <p:grpSpPr>
+        <a:xfrm>
+          <a:off x="0" y="0"/>
+          <a:ext cx="0" cy="0"/>
+          <a:chOff x="0" y="0"/>
+          <a:chExt cx="0" cy="0"/>
+        </a:xfrm>
+      </p:grpSpPr>
+      <p:sp>
+        <p:nvSpPr>
+          <p:cNvPr id="35842" name="Title 1"/>
+          <p:cNvSpPr>
+            <a:spLocks noGrp="1"/>
+          </p:cNvSpPr>
+          <p:nvPr>
+            <p:ph type="title"/>
+          </p:nvPr>
+        </p:nvSpPr>
+        <p:spPr/>
+        <p:txBody>
+          <a:bodyPr/>
+          <a:lstStyle/>
+          <a:p>
+            <a:r>
+              <a:rPr lang="en-US" dirty="0"/>
+              <a:t>Wiring HW FAQ:</a:t>
+            </a:r>
+          </a:p>
+        </p:txBody>
+      </p:sp>
+      <p:sp>
+        <p:nvSpPr>
+          <p:cNvPr id="4" name="Slide Number Placeholder 3"/>
+          <p:cNvSpPr>
+            <a:spLocks noGrp="1"/>
+          </p:cNvSpPr>
+          <p:nvPr>
+            <p:ph type="sldNum" sz="quarter" idx="12"/>
+          </p:nvPr>
+        </p:nvSpPr>
+        <p:spPr/>
+        <p:txBody>
+          <a:bodyPr/>
+          <a:lstStyle/>
+          <a:p>
+            <a:fld id="{DACC1BBE-66B1-403A-8C7E-C57A0F3A107F}" type="slidenum">
+              <a:rPr lang="en-US" smtClean="0"/>
+              <a:pPr/>
+              <a:t>32</a:t>
+            </a:fld>
+            <a:endParaRPr lang="en-US"/>
+          </a:p>
+        </p:txBody>
+      </p:sp>
+      <p:sp>
+        <p:nvSpPr>
+          <p:cNvPr id="35843" name="Content Placeholder 2"/>
+          <p:cNvSpPr>
+            <a:spLocks noGrp="1"/>
+          </p:cNvSpPr>
+          <p:nvPr>
+            <p:ph sz="quarter" idx="1"/>
+          </p:nvPr>
+        </p:nvSpPr>
+        <p:spPr/>
+        <p:txBody>
+          <a:bodyPr>
+            <a:normAutofit/>
+          </a:bodyPr>
+          <a:lstStyle/>
+          <a:p>
+            <a:r>
+              <a:rPr lang="en-US" dirty="0"/>
+              <a:t>Do nodes have a in/out degree requirement?</a:t>
+            </a:r>
+          </a:p>
+          <a:p>
+            <a:pPr lvl="1"/>
+            <a:r>
+              <a:rPr lang="en-US" dirty="0"/>
+              <a:t>No! I’ll explain why.</a:t>
+            </a:r>
+          </a:p>
+          <a:p>
+            <a:pPr lvl="1"/>
+            <a:endParaRPr lang="en-US" dirty="0"/>
+          </a:p>
+          <a:p>
+            <a:r>
+              <a:rPr lang="en-US" dirty="0"/>
+              <a:t>Are the edges directed?</a:t>
+            </a:r>
+          </a:p>
+          <a:p>
+            <a:pPr lvl="1"/>
+            <a:r>
+              <a:rPr lang="en-US" dirty="0"/>
+              <a:t>No! I’ll draw an example and explain why</a:t>
+            </a:r>
+          </a:p>
+          <a:p>
+            <a:pPr lvl="1"/>
+            <a:endParaRPr lang="en-US" dirty="0"/>
+          </a:p>
+          <a:p>
+            <a:r>
+              <a:rPr lang="en-US" dirty="0"/>
+              <a:t>Will the input provide “bad” edges as possibilities?</a:t>
+            </a:r>
+          </a:p>
+          <a:p>
+            <a:pPr lvl="1"/>
+            <a:r>
+              <a:rPr lang="en-US" dirty="0"/>
+              <a:t>Yes! I’ll draw another example now.</a:t>
+            </a:r>
+          </a:p>
+        </p:txBody>
+      </p:sp>
+    </p:spTree>
+    <p:extLst>
+      <p:ext uri="{BB962C8B-B14F-4D97-AF65-F5344CB8AC3E}">
+        <p14:creationId xmlns:p14="http://schemas.microsoft.com/office/powerpoint/2010/main" val="4110362961"/>
+      </p:ext>
+    </p:extLst>
+  </p:cSld>
+  <p:clrMapOvr>
+    <a:masterClrMapping/>
+  </p:clrMapOvr>
+</p:sld>
+</file>
+
+<file path=ppt/slides/slide33.xml><?xml version="1.0" encoding="utf-8"?>
+<p:sld xmlns:a="http://schemas.openxmlformats.org/drawingml/2006/main" xmlns:r="http://schemas.openxmlformats.org/officeDocument/2006/relationships" xmlns:p="http://schemas.openxmlformats.org/presentationml/2006/main">
+  <p:cSld>
+    <p:spTree>
+      <p:nvGrpSpPr>
+        <p:cNvPr id="1" name=""/>
+        <p:cNvGrpSpPr/>
+        <p:nvPr/>
+      </p:nvGrpSpPr>
+      <p:grpSpPr>
+        <a:xfrm>
+          <a:off x="0" y="0"/>
+          <a:ext cx="0" cy="0"/>
+          <a:chOff x="0" y="0"/>
+          <a:chExt cx="0" cy="0"/>
+        </a:xfrm>
+      </p:grpSpPr>
+      <p:sp>
+        <p:nvSpPr>
+          <p:cNvPr id="35842" name="Title 1"/>
+          <p:cNvSpPr>
+            <a:spLocks noGrp="1"/>
+          </p:cNvSpPr>
+          <p:nvPr>
+            <p:ph type="title"/>
+          </p:nvPr>
+        </p:nvSpPr>
+        <p:spPr/>
+        <p:txBody>
+          <a:bodyPr/>
+          <a:lstStyle/>
+          <a:p>
+            <a:r>
+              <a:rPr lang="en-US" dirty="0"/>
+              <a:t>Wiring HW FAQ:</a:t>
+            </a:r>
+          </a:p>
+        </p:txBody>
+      </p:sp>
+      <p:sp>
+        <p:nvSpPr>
+          <p:cNvPr id="4" name="Slide Number Placeholder 3"/>
+          <p:cNvSpPr>
+            <a:spLocks noGrp="1"/>
+          </p:cNvSpPr>
+          <p:nvPr>
+            <p:ph type="sldNum" sz="quarter" idx="12"/>
+          </p:nvPr>
+        </p:nvSpPr>
+        <p:spPr/>
+        <p:txBody>
+          <a:bodyPr/>
+          <a:lstStyle/>
+          <a:p>
+            <a:fld id="{DACC1BBE-66B1-403A-8C7E-C57A0F3A107F}" type="slidenum">
+              <a:rPr lang="en-US" smtClean="0"/>
+              <a:pPr/>
+              <a:t>33</a:t>
+            </a:fld>
+            <a:endParaRPr lang="en-US"/>
+          </a:p>
+        </p:txBody>
+      </p:sp>
+      <p:sp>
+        <p:nvSpPr>
+          <p:cNvPr id="35843" name="Content Placeholder 2"/>
+          <p:cNvSpPr>
+            <a:spLocks noGrp="1"/>
+          </p:cNvSpPr>
+          <p:nvPr>
+            <p:ph sz="quarter" idx="1"/>
+          </p:nvPr>
+        </p:nvSpPr>
+        <p:spPr/>
+        <p:txBody>
+          <a:bodyPr>
+            <a:normAutofit/>
+          </a:bodyPr>
+          <a:lstStyle/>
+          <a:p>
+            <a:endParaRPr lang="en-US" dirty="0"/>
+          </a:p>
+          <a:p>
+            <a:r>
+              <a:rPr lang="en-US" dirty="0"/>
+              <a:t>Do I need to run Kruskal’s in “phases”</a:t>
+            </a:r>
+          </a:p>
+          <a:p>
+            <a:pPr lvl="1"/>
+            <a:r>
+              <a:rPr lang="en-US" dirty="0"/>
+              <a:t>Maybe…let’s look at a problem that Prim’s would run into</a:t>
+            </a:r>
+          </a:p>
+          <a:p>
+            <a:pPr lvl="1"/>
+            <a:r>
+              <a:rPr lang="en-US" dirty="0"/>
+              <a:t>Unclear if Kruskal’s will have the same issue. What do you think?</a:t>
+            </a:r>
+          </a:p>
+          <a:p>
+            <a:endParaRPr lang="en-US" dirty="0"/>
+          </a:p>
+          <a:p>
+            <a:endParaRPr lang="en-US" dirty="0"/>
+          </a:p>
+          <a:p>
+            <a:r>
+              <a:rPr lang="en-US" dirty="0"/>
+              <a:t>Other questions about Wiring??</a:t>
+            </a:r>
+          </a:p>
+        </p:txBody>
+      </p:sp>
+    </p:spTree>
+    <p:extLst>
+      <p:ext uri="{BB962C8B-B14F-4D97-AF65-F5344CB8AC3E}">
+        <p14:creationId xmlns:p14="http://schemas.microsoft.com/office/powerpoint/2010/main" val="3421198734"/>
       </p:ext>
     </p:extLst>
   </p:cSld>

--- a/slides/dijkstraAndPrim.pptx
+++ b/slides/dijkstraAndPrim.pptx
@@ -5150,7 +5150,7 @@
           <a:p>
             <a:r>
               <a:rPr lang="en-US" dirty="0"/>
-              <a:t>CS4102, Spring 2021</a:t>
+              <a:t>CS4102, Fall 2021</a:t>
             </a:r>
           </a:p>
           <a:p>
@@ -5158,12 +5158,8 @@
           </a:p>
           <a:p>
             <a:r>
-              <a:rPr lang="en-US"/>
-              <a:t>Readings</a:t>
-            </a:r>
-            <a:r>
               <a:rPr lang="en-US" dirty="0"/>
-              <a:t>: CLRS 23.2, 24.2, 24.3</a:t>
+              <a:t>Readings: CLRS 23.2, 24.2, 24.3</a:t>
             </a:r>
           </a:p>
         </p:txBody>

--- a/slides/dijkstraAndPrim.pptx
+++ b/slides/dijkstraAndPrim.pptx
@@ -11300,6 +11300,7 @@
             </a:r>
           </a:p>
           <a:p>
+            <a:pPr algn="l"/>
             <a:r>
               <a:rPr lang="en-US" sz="2800" dirty="0"/>
               <a:t>Can this lead to an infeasible solution?</a:t>
@@ -11423,8 +11424,8 @@
               </a:lnSpc>
             </a:pPr>
             <a:r>
-              <a:rPr lang="en-US" sz="2800"/>
-              <a:t>Candidates edges:  edge from a tree-node to a non-tree node</a:t>
+              <a:rPr lang="en-US" sz="2800" dirty="0"/>
+              <a:t>Candidate edges:  edge from a tree-node to a non-tree node</a:t>
             </a:r>
           </a:p>
           <a:p>
@@ -11434,7 +11435,7 @@
               </a:lnSpc>
             </a:pPr>
             <a:r>
-              <a:rPr lang="en-US" sz="2400"/>
+              <a:rPr lang="en-US" sz="2400" dirty="0"/>
               <a:t>Since we’ll choose smallest, keep only one candidate edge for each non-tree node</a:t>
             </a:r>
           </a:p>
@@ -11445,7 +11446,7 @@
               </a:lnSpc>
             </a:pPr>
             <a:r>
-              <a:rPr lang="en-US" sz="2400"/>
+              <a:rPr lang="en-US" sz="2400" dirty="0"/>
               <a:t>But, may need to make sure we always have the smallest edge for each non-tree node</a:t>
             </a:r>
           </a:p>
@@ -11456,7 +11457,7 @@
               </a:lnSpc>
             </a:pPr>
             <a:r>
-              <a:rPr lang="en-US" sz="2800"/>
+              <a:rPr lang="en-US" sz="2800" dirty="0"/>
               <a:t>Fringe-nodes: non-trees nodes adjacent to the tree</a:t>
             </a:r>
           </a:p>
@@ -11467,7 +11468,7 @@
               </a:lnSpc>
             </a:pPr>
             <a:r>
-              <a:rPr lang="en-US" sz="2800"/>
+              <a:rPr lang="en-US" sz="2800" dirty="0"/>
               <a:t>Need data structure to hold fringe-nodes</a:t>
             </a:r>
           </a:p>
@@ -11478,7 +11479,7 @@
               </a:lnSpc>
             </a:pPr>
             <a:r>
-              <a:rPr lang="en-US" sz="2400"/>
+              <a:rPr lang="en-US" sz="2400" dirty="0"/>
               <a:t>Priority queue, ordered by min-edge weight</a:t>
             </a:r>
           </a:p>
@@ -11489,7 +11490,7 @@
               </a:lnSpc>
             </a:pPr>
             <a:r>
-              <a:rPr lang="en-US" sz="2400"/>
+              <a:rPr lang="en-US" sz="2400" dirty="0"/>
               <a:t>May need to update priorities!</a:t>
             </a:r>
           </a:p>
@@ -11499,7 +11500,7 @@
                 <a:spcPct val="90000"/>
               </a:lnSpc>
             </a:pPr>
-            <a:endParaRPr lang="en-US" sz="2800"/>
+            <a:endParaRPr lang="en-US" sz="2800" dirty="0"/>
           </a:p>
         </p:txBody>
       </p:sp>
